--- a/css3/webapp-layout.pptx
+++ b/css3/webapp-layout.pptx
@@ -241,7 +241,7 @@
           <a:p>
             <a:fld id="{6CAA9324-A990-A84C-93C7-B5F7CE7D46DE}" type="datetimeFigureOut">
               <a:rPr kumimoji="1" lang="zh-CN" altLang="en-US" smtClean="0"/>
-              <a:t>2019/5/28</a:t>
+              <a:t>2019/7/30</a:t>
             </a:fld>
             <a:endParaRPr kumimoji="1" lang="zh-CN" altLang="en-US"/>
           </a:p>
@@ -640,7 +640,7 @@
           <a:p>
             <a:fld id="{09CFCBDD-AB5C-6B40-B02B-574F31A204D6}" type="datetimeFigureOut">
               <a:rPr kumimoji="1" lang="zh-CN" altLang="en-US" smtClean="0"/>
-              <a:t>2019/5/28</a:t>
+              <a:t>2019/7/30</a:t>
             </a:fld>
             <a:endParaRPr kumimoji="1" lang="zh-CN" altLang="en-US"/>
           </a:p>
@@ -810,7 +810,7 @@
           <a:p>
             <a:fld id="{09CFCBDD-AB5C-6B40-B02B-574F31A204D6}" type="datetimeFigureOut">
               <a:rPr kumimoji="1" lang="zh-CN" altLang="en-US" smtClean="0"/>
-              <a:t>2019/5/28</a:t>
+              <a:t>2019/7/30</a:t>
             </a:fld>
             <a:endParaRPr kumimoji="1" lang="zh-CN" altLang="en-US"/>
           </a:p>
@@ -990,7 +990,7 @@
           <a:p>
             <a:fld id="{09CFCBDD-AB5C-6B40-B02B-574F31A204D6}" type="datetimeFigureOut">
               <a:rPr kumimoji="1" lang="zh-CN" altLang="en-US" smtClean="0"/>
-              <a:t>2019/5/28</a:t>
+              <a:t>2019/7/30</a:t>
             </a:fld>
             <a:endParaRPr kumimoji="1" lang="zh-CN" altLang="en-US"/>
           </a:p>
@@ -1160,7 +1160,7 @@
           <a:p>
             <a:fld id="{09CFCBDD-AB5C-6B40-B02B-574F31A204D6}" type="datetimeFigureOut">
               <a:rPr kumimoji="1" lang="zh-CN" altLang="en-US" smtClean="0"/>
-              <a:t>2019/5/28</a:t>
+              <a:t>2019/7/30</a:t>
             </a:fld>
             <a:endParaRPr kumimoji="1" lang="zh-CN" altLang="en-US"/>
           </a:p>
@@ -1406,7 +1406,7 @@
           <a:p>
             <a:fld id="{09CFCBDD-AB5C-6B40-B02B-574F31A204D6}" type="datetimeFigureOut">
               <a:rPr kumimoji="1" lang="zh-CN" altLang="en-US" smtClean="0"/>
-              <a:t>2019/5/28</a:t>
+              <a:t>2019/7/30</a:t>
             </a:fld>
             <a:endParaRPr kumimoji="1" lang="zh-CN" altLang="en-US"/>
           </a:p>
@@ -1638,7 +1638,7 @@
           <a:p>
             <a:fld id="{09CFCBDD-AB5C-6B40-B02B-574F31A204D6}" type="datetimeFigureOut">
               <a:rPr kumimoji="1" lang="zh-CN" altLang="en-US" smtClean="0"/>
-              <a:t>2019/5/28</a:t>
+              <a:t>2019/7/30</a:t>
             </a:fld>
             <a:endParaRPr kumimoji="1" lang="zh-CN" altLang="en-US"/>
           </a:p>
@@ -2005,7 +2005,7 @@
           <a:p>
             <a:fld id="{09CFCBDD-AB5C-6B40-B02B-574F31A204D6}" type="datetimeFigureOut">
               <a:rPr kumimoji="1" lang="zh-CN" altLang="en-US" smtClean="0"/>
-              <a:t>2019/5/28</a:t>
+              <a:t>2019/7/30</a:t>
             </a:fld>
             <a:endParaRPr kumimoji="1" lang="zh-CN" altLang="en-US"/>
           </a:p>
@@ -2123,7 +2123,7 @@
           <a:p>
             <a:fld id="{09CFCBDD-AB5C-6B40-B02B-574F31A204D6}" type="datetimeFigureOut">
               <a:rPr kumimoji="1" lang="zh-CN" altLang="en-US" smtClean="0"/>
-              <a:t>2019/5/28</a:t>
+              <a:t>2019/7/30</a:t>
             </a:fld>
             <a:endParaRPr kumimoji="1" lang="zh-CN" altLang="en-US"/>
           </a:p>
@@ -2218,7 +2218,7 @@
           <a:p>
             <a:fld id="{09CFCBDD-AB5C-6B40-B02B-574F31A204D6}" type="datetimeFigureOut">
               <a:rPr kumimoji="1" lang="zh-CN" altLang="en-US" smtClean="0"/>
-              <a:t>2019/5/28</a:t>
+              <a:t>2019/7/30</a:t>
             </a:fld>
             <a:endParaRPr kumimoji="1" lang="zh-CN" altLang="en-US"/>
           </a:p>
@@ -2495,7 +2495,7 @@
           <a:p>
             <a:fld id="{09CFCBDD-AB5C-6B40-B02B-574F31A204D6}" type="datetimeFigureOut">
               <a:rPr kumimoji="1" lang="zh-CN" altLang="en-US" smtClean="0"/>
-              <a:t>2019/5/28</a:t>
+              <a:t>2019/7/30</a:t>
             </a:fld>
             <a:endParaRPr kumimoji="1" lang="zh-CN" altLang="en-US"/>
           </a:p>
@@ -2748,7 +2748,7 @@
           <a:p>
             <a:fld id="{09CFCBDD-AB5C-6B40-B02B-574F31A204D6}" type="datetimeFigureOut">
               <a:rPr kumimoji="1" lang="zh-CN" altLang="en-US" smtClean="0"/>
-              <a:t>2019/5/28</a:t>
+              <a:t>2019/7/30</a:t>
             </a:fld>
             <a:endParaRPr kumimoji="1" lang="zh-CN" altLang="en-US"/>
           </a:p>
@@ -2961,7 +2961,7 @@
           <a:p>
             <a:fld id="{09CFCBDD-AB5C-6B40-B02B-574F31A204D6}" type="datetimeFigureOut">
               <a:rPr kumimoji="1" lang="zh-CN" altLang="en-US" smtClean="0"/>
-              <a:t>2019/5/28</a:t>
+              <a:t>2019/7/30</a:t>
             </a:fld>
             <a:endParaRPr kumimoji="1" lang="zh-CN" altLang="en-US"/>
           </a:p>
@@ -4097,7 +4097,7 @@
           <p:nvPr>
             <p:extLst>
               <p:ext uri="{D42A27DB-BD31-4B8C-83A1-F6EECF244321}">
-                <p14:modId xmlns:p14="http://schemas.microsoft.com/office/powerpoint/2010/main" val="2124204780"/>
+                <p14:modId xmlns:p14="http://schemas.microsoft.com/office/powerpoint/2010/main" val="499676590"/>
               </p:ext>
             </p:extLst>
           </p:nvPr>
@@ -4301,8 +4301,12 @@
                     <a:lstStyle/>
                     <a:p>
                       <a:r>
-                        <a:rPr lang="en-US" altLang="zh-CN" dirty="0" err="1" smtClean="0"/>
-                        <a:t>E:root</a:t>
+                        <a:rPr lang="en-US" altLang="zh-CN" dirty="0" smtClean="0"/>
+                        <a:t>:</a:t>
+                      </a:r>
+                      <a:r>
+                        <a:rPr lang="en-US" altLang="zh-CN" dirty="0" smtClean="0"/>
+                        <a:t>root</a:t>
                       </a:r>
                       <a:endParaRPr lang="zh-CN" altLang="en-US" dirty="0"/>
                     </a:p>
@@ -4315,28 +4319,28 @@
                     <a:lstStyle/>
                     <a:p>
                       <a:r>
+                        <a:rPr lang="zh-CN" altLang="en-US" sz="1600" smtClean="0">
+                          <a:solidFill>
+                            <a:schemeClr val="tx1"/>
+                          </a:solidFill>
+                        </a:rPr>
+                        <a:t>选择</a:t>
+                      </a:r>
+                      <a:r>
+                        <a:rPr lang="zh-CN" altLang="en-US" sz="1600" smtClean="0">
+                          <a:solidFill>
+                            <a:schemeClr val="tx1"/>
+                          </a:solidFill>
+                        </a:rPr>
+                        <a:t>匹配文档</a:t>
+                      </a:r>
+                      <a:r>
                         <a:rPr lang="zh-CN" altLang="en-US" sz="1600" dirty="0" smtClean="0">
                           <a:solidFill>
                             <a:schemeClr val="tx1"/>
                           </a:solidFill>
                         </a:rPr>
-                        <a:t>选择匹配元素 </a:t>
-                      </a:r>
-                      <a:r>
-                        <a:rPr lang="en-US" altLang="zh-CN" sz="1600" dirty="0" smtClean="0">
-                          <a:solidFill>
-                            <a:schemeClr val="tx1"/>
-                          </a:solidFill>
-                        </a:rPr>
-                        <a:t>E</a:t>
-                      </a:r>
-                      <a:r>
-                        <a:rPr lang="zh-CN" altLang="en-US" sz="1600" dirty="0" smtClean="0">
-                          <a:solidFill>
-                            <a:schemeClr val="tx1"/>
-                          </a:solidFill>
-                        </a:rPr>
-                        <a:t> 所在文档的根元素。在 </a:t>
+                        <a:t>的根元素。在 </a:t>
                       </a:r>
                       <a:r>
                         <a:rPr lang="en-US" altLang="zh-CN" sz="1600" dirty="0" smtClean="0">
@@ -12468,18 +12472,7 @@
                 <a:ea typeface="Microsoft YaHei" charset="-122"/>
                 <a:cs typeface="Microsoft YaHei" charset="-122"/>
               </a:rPr>
-              <a:t>选择</a:t>
-            </a:r>
-            <a:r>
-              <a:rPr kumimoji="1" lang="zh-CN" altLang="en-US" sz="2000" dirty="0" smtClean="0">
-                <a:solidFill>
-                  <a:srgbClr val="C00000"/>
-                </a:solidFill>
-                <a:latin typeface="Microsoft YaHei" charset="-122"/>
-                <a:ea typeface="Microsoft YaHei" charset="-122"/>
-                <a:cs typeface="Microsoft YaHei" charset="-122"/>
-              </a:rPr>
-              <a:t>器</a:t>
+              <a:t>选择器</a:t>
             </a:r>
             <a:endParaRPr kumimoji="1" lang="en-US" altLang="zh-CN" sz="2000" dirty="0" smtClean="0">
               <a:solidFill>
